--- a/verseny/header2.pptx
+++ b/verseny/header2.pptx
@@ -6,9 +6,10 @@
   </p:sldMasterIdLst>
   <p:sldIdLst>
     <p:sldId id="257" r:id="rId2"/>
-    <p:sldId id="258" r:id="rId3"/>
-    <p:sldId id="260" r:id="rId4"/>
-    <p:sldId id="259" r:id="rId5"/>
+    <p:sldId id="261" r:id="rId3"/>
+    <p:sldId id="258" r:id="rId4"/>
+    <p:sldId id="260" r:id="rId5"/>
+    <p:sldId id="259" r:id="rId6"/>
   </p:sldIdLst>
   <p:sldSz cx="12192000" cy="6858000"/>
   <p:notesSz cx="6858000" cy="9144000"/>
@@ -157,7 +158,7 @@
           </a:lstStyle>
           <a:p>
             <a:r>
-              <a:rPr lang="en-US" smtClean="0"/>
+              <a:rPr lang="en-US"/>
               <a:t>Click to edit Master title style</a:t>
             </a:r>
             <a:endParaRPr lang="en-GB"/>
@@ -222,7 +223,7 @@
           </a:lstStyle>
           <a:p>
             <a:r>
-              <a:rPr lang="en-US" smtClean="0"/>
+              <a:rPr lang="en-US"/>
               <a:t>Click to edit Master subtitle style</a:t>
             </a:r>
             <a:endParaRPr lang="en-GB"/>
@@ -246,7 +247,7 @@
           <a:p>
             <a:fld id="{43EB9B8B-E2C0-4959-A3DA-C38F62369799}" type="datetimeFigureOut">
               <a:rPr lang="en-GB" smtClean="0"/>
-              <a:t>26/02/2018</a:t>
+              <a:t>20/07/2018</a:t>
             </a:fld>
             <a:endParaRPr lang="en-GB"/>
           </a:p>
@@ -340,7 +341,7 @@
           <a:lstStyle/>
           <a:p>
             <a:r>
-              <a:rPr lang="en-US" smtClean="0"/>
+              <a:rPr lang="en-US"/>
               <a:t>Click to edit Master title style</a:t>
             </a:r>
             <a:endParaRPr lang="en-GB"/>
@@ -364,35 +365,35 @@
           <a:p>
             <a:pPr lvl="0"/>
             <a:r>
-              <a:rPr lang="en-US" smtClean="0"/>
+              <a:rPr lang="en-US"/>
               <a:t>Edit Master text styles</a:t>
             </a:r>
           </a:p>
           <a:p>
             <a:pPr lvl="1"/>
             <a:r>
-              <a:rPr lang="en-US" smtClean="0"/>
+              <a:rPr lang="en-US"/>
               <a:t>Second level</a:t>
             </a:r>
           </a:p>
           <a:p>
             <a:pPr lvl="2"/>
             <a:r>
-              <a:rPr lang="en-US" smtClean="0"/>
+              <a:rPr lang="en-US"/>
               <a:t>Third level</a:t>
             </a:r>
           </a:p>
           <a:p>
             <a:pPr lvl="3"/>
             <a:r>
-              <a:rPr lang="en-US" smtClean="0"/>
+              <a:rPr lang="en-US"/>
               <a:t>Fourth level</a:t>
             </a:r>
           </a:p>
           <a:p>
             <a:pPr lvl="4"/>
             <a:r>
-              <a:rPr lang="en-US" smtClean="0"/>
+              <a:rPr lang="en-US"/>
               <a:t>Fifth level</a:t>
             </a:r>
             <a:endParaRPr lang="en-GB"/>
@@ -416,7 +417,7 @@
           <a:p>
             <a:fld id="{43EB9B8B-E2C0-4959-A3DA-C38F62369799}" type="datetimeFigureOut">
               <a:rPr lang="en-GB" smtClean="0"/>
-              <a:t>26/02/2018</a:t>
+              <a:t>20/07/2018</a:t>
             </a:fld>
             <a:endParaRPr lang="en-GB"/>
           </a:p>
@@ -515,7 +516,7 @@
           <a:lstStyle/>
           <a:p>
             <a:r>
-              <a:rPr lang="en-US" smtClean="0"/>
+              <a:rPr lang="en-US"/>
               <a:t>Click to edit Master title style</a:t>
             </a:r>
             <a:endParaRPr lang="en-GB"/>
@@ -544,35 +545,35 @@
           <a:p>
             <a:pPr lvl="0"/>
             <a:r>
-              <a:rPr lang="en-US" smtClean="0"/>
+              <a:rPr lang="en-US"/>
               <a:t>Edit Master text styles</a:t>
             </a:r>
           </a:p>
           <a:p>
             <a:pPr lvl="1"/>
             <a:r>
-              <a:rPr lang="en-US" smtClean="0"/>
+              <a:rPr lang="en-US"/>
               <a:t>Second level</a:t>
             </a:r>
           </a:p>
           <a:p>
             <a:pPr lvl="2"/>
             <a:r>
-              <a:rPr lang="en-US" smtClean="0"/>
+              <a:rPr lang="en-US"/>
               <a:t>Third level</a:t>
             </a:r>
           </a:p>
           <a:p>
             <a:pPr lvl="3"/>
             <a:r>
-              <a:rPr lang="en-US" smtClean="0"/>
+              <a:rPr lang="en-US"/>
               <a:t>Fourth level</a:t>
             </a:r>
           </a:p>
           <a:p>
             <a:pPr lvl="4"/>
             <a:r>
-              <a:rPr lang="en-US" smtClean="0"/>
+              <a:rPr lang="en-US"/>
               <a:t>Fifth level</a:t>
             </a:r>
             <a:endParaRPr lang="en-GB"/>
@@ -596,7 +597,7 @@
           <a:p>
             <a:fld id="{43EB9B8B-E2C0-4959-A3DA-C38F62369799}" type="datetimeFigureOut">
               <a:rPr lang="en-GB" smtClean="0"/>
-              <a:t>26/02/2018</a:t>
+              <a:t>20/07/2018</a:t>
             </a:fld>
             <a:endParaRPr lang="en-GB"/>
           </a:p>
@@ -690,7 +691,7 @@
           <a:lstStyle/>
           <a:p>
             <a:r>
-              <a:rPr lang="en-US" smtClean="0"/>
+              <a:rPr lang="en-US"/>
               <a:t>Click to edit Master title style</a:t>
             </a:r>
             <a:endParaRPr lang="en-GB"/>
@@ -714,35 +715,35 @@
           <a:p>
             <a:pPr lvl="0"/>
             <a:r>
-              <a:rPr lang="en-US" smtClean="0"/>
+              <a:rPr lang="en-US"/>
               <a:t>Edit Master text styles</a:t>
             </a:r>
           </a:p>
           <a:p>
             <a:pPr lvl="1"/>
             <a:r>
-              <a:rPr lang="en-US" smtClean="0"/>
+              <a:rPr lang="en-US"/>
               <a:t>Second level</a:t>
             </a:r>
           </a:p>
           <a:p>
             <a:pPr lvl="2"/>
             <a:r>
-              <a:rPr lang="en-US" smtClean="0"/>
+              <a:rPr lang="en-US"/>
               <a:t>Third level</a:t>
             </a:r>
           </a:p>
           <a:p>
             <a:pPr lvl="3"/>
             <a:r>
-              <a:rPr lang="en-US" smtClean="0"/>
+              <a:rPr lang="en-US"/>
               <a:t>Fourth level</a:t>
             </a:r>
           </a:p>
           <a:p>
             <a:pPr lvl="4"/>
             <a:r>
-              <a:rPr lang="en-US" smtClean="0"/>
+              <a:rPr lang="en-US"/>
               <a:t>Fifth level</a:t>
             </a:r>
             <a:endParaRPr lang="en-GB"/>
@@ -766,7 +767,7 @@
           <a:p>
             <a:fld id="{43EB9B8B-E2C0-4959-A3DA-C38F62369799}" type="datetimeFigureOut">
               <a:rPr lang="en-GB" smtClean="0"/>
-              <a:t>26/02/2018</a:t>
+              <a:t>20/07/2018</a:t>
             </a:fld>
             <a:endParaRPr lang="en-GB"/>
           </a:p>
@@ -869,7 +870,7 @@
           </a:lstStyle>
           <a:p>
             <a:r>
-              <a:rPr lang="en-US" smtClean="0"/>
+              <a:rPr lang="en-US"/>
               <a:t>Click to edit Master title style</a:t>
             </a:r>
             <a:endParaRPr lang="en-GB"/>
@@ -989,7 +990,7 @@
           <a:p>
             <a:pPr lvl="0"/>
             <a:r>
-              <a:rPr lang="en-US" smtClean="0"/>
+              <a:rPr lang="en-US"/>
               <a:t>Edit Master text styles</a:t>
             </a:r>
           </a:p>
@@ -1012,7 +1013,7 @@
           <a:p>
             <a:fld id="{43EB9B8B-E2C0-4959-A3DA-C38F62369799}" type="datetimeFigureOut">
               <a:rPr lang="en-GB" smtClean="0"/>
-              <a:t>26/02/2018</a:t>
+              <a:t>20/07/2018</a:t>
             </a:fld>
             <a:endParaRPr lang="en-GB"/>
           </a:p>
@@ -1106,7 +1107,7 @@
           <a:lstStyle/>
           <a:p>
             <a:r>
-              <a:rPr lang="en-US" smtClean="0"/>
+              <a:rPr lang="en-US"/>
               <a:t>Click to edit Master title style</a:t>
             </a:r>
             <a:endParaRPr lang="en-GB"/>
@@ -1135,35 +1136,35 @@
           <a:p>
             <a:pPr lvl="0"/>
             <a:r>
-              <a:rPr lang="en-US" smtClean="0"/>
+              <a:rPr lang="en-US"/>
               <a:t>Edit Master text styles</a:t>
             </a:r>
           </a:p>
           <a:p>
             <a:pPr lvl="1"/>
             <a:r>
-              <a:rPr lang="en-US" smtClean="0"/>
+              <a:rPr lang="en-US"/>
               <a:t>Second level</a:t>
             </a:r>
           </a:p>
           <a:p>
             <a:pPr lvl="2"/>
             <a:r>
-              <a:rPr lang="en-US" smtClean="0"/>
+              <a:rPr lang="en-US"/>
               <a:t>Third level</a:t>
             </a:r>
           </a:p>
           <a:p>
             <a:pPr lvl="3"/>
             <a:r>
-              <a:rPr lang="en-US" smtClean="0"/>
+              <a:rPr lang="en-US"/>
               <a:t>Fourth level</a:t>
             </a:r>
           </a:p>
           <a:p>
             <a:pPr lvl="4"/>
             <a:r>
-              <a:rPr lang="en-US" smtClean="0"/>
+              <a:rPr lang="en-US"/>
               <a:t>Fifth level</a:t>
             </a:r>
             <a:endParaRPr lang="en-GB"/>
@@ -1192,35 +1193,35 @@
           <a:p>
             <a:pPr lvl="0"/>
             <a:r>
-              <a:rPr lang="en-US" smtClean="0"/>
+              <a:rPr lang="en-US"/>
               <a:t>Edit Master text styles</a:t>
             </a:r>
           </a:p>
           <a:p>
             <a:pPr lvl="1"/>
             <a:r>
-              <a:rPr lang="en-US" smtClean="0"/>
+              <a:rPr lang="en-US"/>
               <a:t>Second level</a:t>
             </a:r>
           </a:p>
           <a:p>
             <a:pPr lvl="2"/>
             <a:r>
-              <a:rPr lang="en-US" smtClean="0"/>
+              <a:rPr lang="en-US"/>
               <a:t>Third level</a:t>
             </a:r>
           </a:p>
           <a:p>
             <a:pPr lvl="3"/>
             <a:r>
-              <a:rPr lang="en-US" smtClean="0"/>
+              <a:rPr lang="en-US"/>
               <a:t>Fourth level</a:t>
             </a:r>
           </a:p>
           <a:p>
             <a:pPr lvl="4"/>
             <a:r>
-              <a:rPr lang="en-US" smtClean="0"/>
+              <a:rPr lang="en-US"/>
               <a:t>Fifth level</a:t>
             </a:r>
             <a:endParaRPr lang="en-GB"/>
@@ -1244,7 +1245,7 @@
           <a:p>
             <a:fld id="{43EB9B8B-E2C0-4959-A3DA-C38F62369799}" type="datetimeFigureOut">
               <a:rPr lang="en-GB" smtClean="0"/>
-              <a:t>26/02/2018</a:t>
+              <a:t>20/07/2018</a:t>
             </a:fld>
             <a:endParaRPr lang="en-GB"/>
           </a:p>
@@ -1343,7 +1344,7 @@
           <a:lstStyle/>
           <a:p>
             <a:r>
-              <a:rPr lang="en-US" smtClean="0"/>
+              <a:rPr lang="en-US"/>
               <a:t>Click to edit Master title style</a:t>
             </a:r>
             <a:endParaRPr lang="en-GB"/>
@@ -1409,7 +1410,7 @@
           <a:p>
             <a:pPr lvl="0"/>
             <a:r>
-              <a:rPr lang="en-US" smtClean="0"/>
+              <a:rPr lang="en-US"/>
               <a:t>Edit Master text styles</a:t>
             </a:r>
           </a:p>
@@ -1437,35 +1438,35 @@
           <a:p>
             <a:pPr lvl="0"/>
             <a:r>
-              <a:rPr lang="en-US" smtClean="0"/>
+              <a:rPr lang="en-US"/>
               <a:t>Edit Master text styles</a:t>
             </a:r>
           </a:p>
           <a:p>
             <a:pPr lvl="1"/>
             <a:r>
-              <a:rPr lang="en-US" smtClean="0"/>
+              <a:rPr lang="en-US"/>
               <a:t>Second level</a:t>
             </a:r>
           </a:p>
           <a:p>
             <a:pPr lvl="2"/>
             <a:r>
-              <a:rPr lang="en-US" smtClean="0"/>
+              <a:rPr lang="en-US"/>
               <a:t>Third level</a:t>
             </a:r>
           </a:p>
           <a:p>
             <a:pPr lvl="3"/>
             <a:r>
-              <a:rPr lang="en-US" smtClean="0"/>
+              <a:rPr lang="en-US"/>
               <a:t>Fourth level</a:t>
             </a:r>
           </a:p>
           <a:p>
             <a:pPr lvl="4"/>
             <a:r>
-              <a:rPr lang="en-US" smtClean="0"/>
+              <a:rPr lang="en-US"/>
               <a:t>Fifth level</a:t>
             </a:r>
             <a:endParaRPr lang="en-GB"/>
@@ -1531,7 +1532,7 @@
           <a:p>
             <a:pPr lvl="0"/>
             <a:r>
-              <a:rPr lang="en-US" smtClean="0"/>
+              <a:rPr lang="en-US"/>
               <a:t>Edit Master text styles</a:t>
             </a:r>
           </a:p>
@@ -1559,35 +1560,35 @@
           <a:p>
             <a:pPr lvl="0"/>
             <a:r>
-              <a:rPr lang="en-US" smtClean="0"/>
+              <a:rPr lang="en-US"/>
               <a:t>Edit Master text styles</a:t>
             </a:r>
           </a:p>
           <a:p>
             <a:pPr lvl="1"/>
             <a:r>
-              <a:rPr lang="en-US" smtClean="0"/>
+              <a:rPr lang="en-US"/>
               <a:t>Second level</a:t>
             </a:r>
           </a:p>
           <a:p>
             <a:pPr lvl="2"/>
             <a:r>
-              <a:rPr lang="en-US" smtClean="0"/>
+              <a:rPr lang="en-US"/>
               <a:t>Third level</a:t>
             </a:r>
           </a:p>
           <a:p>
             <a:pPr lvl="3"/>
             <a:r>
-              <a:rPr lang="en-US" smtClean="0"/>
+              <a:rPr lang="en-US"/>
               <a:t>Fourth level</a:t>
             </a:r>
           </a:p>
           <a:p>
             <a:pPr lvl="4"/>
             <a:r>
-              <a:rPr lang="en-US" smtClean="0"/>
+              <a:rPr lang="en-US"/>
               <a:t>Fifth level</a:t>
             </a:r>
             <a:endParaRPr lang="en-GB"/>
@@ -1611,7 +1612,7 @@
           <a:p>
             <a:fld id="{43EB9B8B-E2C0-4959-A3DA-C38F62369799}" type="datetimeFigureOut">
               <a:rPr lang="en-GB" smtClean="0"/>
-              <a:t>26/02/2018</a:t>
+              <a:t>20/07/2018</a:t>
             </a:fld>
             <a:endParaRPr lang="en-GB"/>
           </a:p>
@@ -1705,7 +1706,7 @@
           <a:lstStyle/>
           <a:p>
             <a:r>
-              <a:rPr lang="en-US" smtClean="0"/>
+              <a:rPr lang="en-US"/>
               <a:t>Click to edit Master title style</a:t>
             </a:r>
             <a:endParaRPr lang="en-GB"/>
@@ -1729,7 +1730,7 @@
           <a:p>
             <a:fld id="{43EB9B8B-E2C0-4959-A3DA-C38F62369799}" type="datetimeFigureOut">
               <a:rPr lang="en-GB" smtClean="0"/>
-              <a:t>26/02/2018</a:t>
+              <a:t>20/07/2018</a:t>
             </a:fld>
             <a:endParaRPr lang="en-GB"/>
           </a:p>
@@ -1824,7 +1825,7 @@
           <a:p>
             <a:fld id="{43EB9B8B-E2C0-4959-A3DA-C38F62369799}" type="datetimeFigureOut">
               <a:rPr lang="en-GB" smtClean="0"/>
-              <a:t>26/02/2018</a:t>
+              <a:t>20/07/2018</a:t>
             </a:fld>
             <a:endParaRPr lang="en-GB"/>
           </a:p>
@@ -1927,7 +1928,7 @@
           </a:lstStyle>
           <a:p>
             <a:r>
-              <a:rPr lang="en-US" smtClean="0"/>
+              <a:rPr lang="en-US"/>
               <a:t>Click to edit Master title style</a:t>
             </a:r>
             <a:endParaRPr lang="en-GB"/>
@@ -1984,35 +1985,35 @@
           <a:p>
             <a:pPr lvl="0"/>
             <a:r>
-              <a:rPr lang="en-US" smtClean="0"/>
+              <a:rPr lang="en-US"/>
               <a:t>Edit Master text styles</a:t>
             </a:r>
           </a:p>
           <a:p>
             <a:pPr lvl="1"/>
             <a:r>
-              <a:rPr lang="en-US" smtClean="0"/>
+              <a:rPr lang="en-US"/>
               <a:t>Second level</a:t>
             </a:r>
           </a:p>
           <a:p>
             <a:pPr lvl="2"/>
             <a:r>
-              <a:rPr lang="en-US" smtClean="0"/>
+              <a:rPr lang="en-US"/>
               <a:t>Third level</a:t>
             </a:r>
           </a:p>
           <a:p>
             <a:pPr lvl="3"/>
             <a:r>
-              <a:rPr lang="en-US" smtClean="0"/>
+              <a:rPr lang="en-US"/>
               <a:t>Fourth level</a:t>
             </a:r>
           </a:p>
           <a:p>
             <a:pPr lvl="4"/>
             <a:r>
-              <a:rPr lang="en-US" smtClean="0"/>
+              <a:rPr lang="en-US"/>
               <a:t>Fifth level</a:t>
             </a:r>
             <a:endParaRPr lang="en-GB"/>
@@ -2078,7 +2079,7 @@
           <a:p>
             <a:pPr lvl="0"/>
             <a:r>
-              <a:rPr lang="en-US" smtClean="0"/>
+              <a:rPr lang="en-US"/>
               <a:t>Edit Master text styles</a:t>
             </a:r>
           </a:p>
@@ -2101,7 +2102,7 @@
           <a:p>
             <a:fld id="{43EB9B8B-E2C0-4959-A3DA-C38F62369799}" type="datetimeFigureOut">
               <a:rPr lang="en-GB" smtClean="0"/>
-              <a:t>26/02/2018</a:t>
+              <a:t>20/07/2018</a:t>
             </a:fld>
             <a:endParaRPr lang="en-GB"/>
           </a:p>
@@ -2204,7 +2205,7 @@
           </a:lstStyle>
           <a:p>
             <a:r>
-              <a:rPr lang="en-US" smtClean="0"/>
+              <a:rPr lang="en-US"/>
               <a:t>Click to edit Master title style</a:t>
             </a:r>
             <a:endParaRPr lang="en-GB"/>
@@ -2331,7 +2332,7 @@
           <a:p>
             <a:pPr lvl="0"/>
             <a:r>
-              <a:rPr lang="en-US" smtClean="0"/>
+              <a:rPr lang="en-US"/>
               <a:t>Edit Master text styles</a:t>
             </a:r>
           </a:p>
@@ -2354,7 +2355,7 @@
           <a:p>
             <a:fld id="{43EB9B8B-E2C0-4959-A3DA-C38F62369799}" type="datetimeFigureOut">
               <a:rPr lang="en-GB" smtClean="0"/>
-              <a:t>26/02/2018</a:t>
+              <a:t>20/07/2018</a:t>
             </a:fld>
             <a:endParaRPr lang="en-GB"/>
           </a:p>
@@ -2463,7 +2464,7 @@
           <a:lstStyle/>
           <a:p>
             <a:r>
-              <a:rPr lang="en-US" smtClean="0"/>
+              <a:rPr lang="en-US"/>
               <a:t>Click to edit Master title style</a:t>
             </a:r>
             <a:endParaRPr lang="en-GB"/>
@@ -2497,35 +2498,35 @@
           <a:p>
             <a:pPr lvl="0"/>
             <a:r>
-              <a:rPr lang="en-US" smtClean="0"/>
+              <a:rPr lang="en-US"/>
               <a:t>Edit Master text styles</a:t>
             </a:r>
           </a:p>
           <a:p>
             <a:pPr lvl="1"/>
             <a:r>
-              <a:rPr lang="en-US" smtClean="0"/>
+              <a:rPr lang="en-US"/>
               <a:t>Second level</a:t>
             </a:r>
           </a:p>
           <a:p>
             <a:pPr lvl="2"/>
             <a:r>
-              <a:rPr lang="en-US" smtClean="0"/>
+              <a:rPr lang="en-US"/>
               <a:t>Third level</a:t>
             </a:r>
           </a:p>
           <a:p>
             <a:pPr lvl="3"/>
             <a:r>
-              <a:rPr lang="en-US" smtClean="0"/>
+              <a:rPr lang="en-US"/>
               <a:t>Fourth level</a:t>
             </a:r>
           </a:p>
           <a:p>
             <a:pPr lvl="4"/>
             <a:r>
-              <a:rPr lang="en-US" smtClean="0"/>
+              <a:rPr lang="en-US"/>
               <a:t>Fifth level</a:t>
             </a:r>
             <a:endParaRPr lang="en-GB"/>
@@ -2567,7 +2568,7 @@
           <a:p>
             <a:fld id="{43EB9B8B-E2C0-4959-A3DA-C38F62369799}" type="datetimeFigureOut">
               <a:rPr lang="en-GB" smtClean="0"/>
-              <a:t>26/02/2018</a:t>
+              <a:t>20/07/2018</a:t>
             </a:fld>
             <a:endParaRPr lang="en-GB"/>
           </a:p>
@@ -3077,7 +3078,7 @@
           <a:p>
             <a:pPr algn="ctr"/>
             <a:r>
-              <a:rPr lang="hu-HU" sz="1600" b="1" cap="small" dirty="0" smtClean="0">
+              <a:rPr lang="hu-HU" sz="1600" b="1" cap="small" dirty="0">
                 <a:solidFill>
                   <a:schemeClr val="bg1">
                     <a:lumMod val="75000"/>
@@ -3088,20 +3089,8 @@
               </a:rPr>
               <a:t>I. SZÉKELYDATA </a:t>
             </a:r>
-            <a:r>
-              <a:rPr lang="hu-HU" sz="1600" cap="small" dirty="0" smtClean="0">
-                <a:solidFill>
-                  <a:schemeClr val="bg1">
-                    <a:lumMod val="75000"/>
-                  </a:schemeClr>
-                </a:solidFill>
-                <a:latin typeface="Segoe UI Emoji" panose="020B0502040204020203" pitchFamily="34" charset="0"/>
-                <a:ea typeface="Segoe UI Emoji" panose="020B0502040204020203" pitchFamily="34" charset="0"/>
-              </a:rPr>
-              <a:t/>
-            </a:r>
             <a:br>
-              <a:rPr lang="hu-HU" sz="1600" cap="small" dirty="0" smtClean="0">
+              <a:rPr lang="hu-HU" sz="1600" cap="small" dirty="0">
                 <a:solidFill>
                   <a:schemeClr val="bg1">
                     <a:lumMod val="75000"/>
@@ -3112,7 +3101,7 @@
               </a:rPr>
             </a:br>
             <a:r>
-              <a:rPr lang="hu-HU" sz="1600" cap="small" dirty="0" smtClean="0">
+              <a:rPr lang="hu-HU" sz="1600" cap="small" dirty="0">
                 <a:solidFill>
                   <a:schemeClr val="bg1">
                     <a:lumMod val="75000"/>
@@ -3124,7 +3113,7 @@
               <a:t>adatvizualizációs </a:t>
             </a:r>
             <a:br>
-              <a:rPr lang="hu-HU" sz="1600" cap="small" dirty="0" smtClean="0">
+              <a:rPr lang="hu-HU" sz="1600" cap="small" dirty="0">
                 <a:solidFill>
                   <a:schemeClr val="bg1">
                     <a:lumMod val="75000"/>
@@ -3135,7 +3124,7 @@
               </a:rPr>
             </a:br>
             <a:r>
-              <a:rPr lang="hu-HU" sz="1600" cap="small" dirty="0" smtClean="0">
+              <a:rPr lang="hu-HU" sz="1600" cap="small" dirty="0">
                 <a:solidFill>
                   <a:schemeClr val="bg1">
                     <a:lumMod val="75000"/>
@@ -3182,7 +3171,7 @@
           <a:p>
             <a:pPr algn="ctr"/>
             <a:r>
-              <a:rPr lang="hu-HU" sz="1600" b="1" cap="small" dirty="0" smtClean="0">
+              <a:rPr lang="hu-HU" sz="1600" b="1" cap="small" dirty="0">
                 <a:solidFill>
                   <a:schemeClr val="bg1">
                     <a:lumMod val="75000"/>
@@ -3194,7 +3183,7 @@
               <a:t>2</a:t>
             </a:r>
             <a:r>
-              <a:rPr lang="ro-RO" sz="1600" b="1" cap="small" dirty="0" smtClean="0">
+              <a:rPr lang="ro-RO" sz="1600" b="1" cap="small" dirty="0">
                 <a:solidFill>
                   <a:schemeClr val="bg1">
                     <a:lumMod val="75000"/>
@@ -3206,7 +3195,7 @@
               <a:t>0</a:t>
             </a:r>
             <a:r>
-              <a:rPr lang="hu-HU" sz="1600" b="1" cap="small" dirty="0" smtClean="0">
+              <a:rPr lang="hu-HU" sz="1600" b="1" cap="small" dirty="0">
                 <a:solidFill>
                   <a:schemeClr val="bg1">
                     <a:lumMod val="75000"/>
@@ -3221,7 +3210,7 @@
           <a:p>
             <a:pPr algn="ctr"/>
             <a:r>
-              <a:rPr lang="en-US" sz="1600" cap="small" dirty="0" smtClean="0">
+              <a:rPr lang="en-US" sz="1600" cap="small" dirty="0">
                 <a:solidFill>
                   <a:schemeClr val="bg1">
                     <a:lumMod val="75000"/>
@@ -3233,7 +3222,7 @@
               <a:t> </a:t>
             </a:r>
             <a:r>
-              <a:rPr lang="hu-HU" sz="1600" cap="small" dirty="0" smtClean="0">
+              <a:rPr lang="hu-HU" sz="1600" cap="small" dirty="0">
                 <a:solidFill>
                   <a:schemeClr val="bg1">
                     <a:lumMod val="75000"/>
@@ -3244,7 +3233,7 @@
               </a:rPr>
               <a:t>Összdíjazás</a:t>
             </a:r>
-            <a:endParaRPr lang="en-US" sz="1600" cap="small" dirty="0" smtClean="0">
+            <a:endParaRPr lang="en-US" sz="1600" cap="small" dirty="0">
               <a:solidFill>
                 <a:schemeClr val="bg1">
                   <a:lumMod val="75000"/>
@@ -3257,7 +3246,7 @@
           <a:p>
             <a:pPr algn="ctr"/>
             <a:r>
-              <a:rPr lang="hu-HU" sz="1600" cap="small" dirty="0" smtClean="0">
+              <a:rPr lang="hu-HU" sz="1600" cap="small" dirty="0">
                 <a:solidFill>
                   <a:schemeClr val="bg1">
                     <a:lumMod val="75000"/>
@@ -3266,19 +3255,7 @@
                 <a:latin typeface="Segoe UI Emoji" panose="020B0502040204020203" pitchFamily="34" charset="0"/>
                 <a:ea typeface="Segoe UI Emoji" panose="020B0502040204020203" pitchFamily="34" charset="0"/>
               </a:rPr>
-              <a:t>7ooo </a:t>
-            </a:r>
-            <a:r>
-              <a:rPr lang="hu-HU" sz="1600" cap="small" dirty="0">
-                <a:solidFill>
-                  <a:schemeClr val="bg1">
-                    <a:lumMod val="75000"/>
-                  </a:schemeClr>
-                </a:solidFill>
-                <a:latin typeface="Segoe UI Emoji" panose="020B0502040204020203" pitchFamily="34" charset="0"/>
-                <a:ea typeface="Segoe UI Emoji" panose="020B0502040204020203" pitchFamily="34" charset="0"/>
-              </a:rPr>
-              <a:t>RON </a:t>
+              <a:t>7ooo RON </a:t>
             </a:r>
             <a:r>
               <a:rPr lang="en-US" sz="1600" cap="small" dirty="0">
@@ -3408,7 +3385,7 @@
           <a:p>
             <a:pPr algn="ctr"/>
             <a:r>
-              <a:rPr lang="hu-HU" sz="1600" cap="small" dirty="0" smtClean="0">
+              <a:rPr lang="hu-HU" sz="1600" cap="small" dirty="0">
                 <a:solidFill>
                   <a:schemeClr val="bg1">
                     <a:lumMod val="75000"/>
@@ -3441,17 +3418,295 @@
   <p:clrMapOvr>
     <a:masterClrMapping/>
   </p:clrMapOvr>
-  <p:timing>
-    <p:tnLst>
-      <p:par>
-        <p:cTn id="1" dur="indefinite" restart="never" nodeType="tmRoot"/>
-      </p:par>
-    </p:tnLst>
-  </p:timing>
 </p:sld>
 </file>
 
 <file path=ppt/slides/slide2.xml><?xml version="1.0" encoding="utf-8"?>
+<p:sld xmlns:a="http://schemas.openxmlformats.org/drawingml/2006/main" xmlns:r="http://schemas.openxmlformats.org/officeDocument/2006/relationships" xmlns:p="http://schemas.openxmlformats.org/presentationml/2006/main">
+  <p:cSld>
+    <p:spTree>
+      <p:nvGrpSpPr>
+        <p:cNvPr id="1" name=""/>
+        <p:cNvGrpSpPr/>
+        <p:nvPr/>
+      </p:nvGrpSpPr>
+      <p:grpSpPr>
+        <a:xfrm>
+          <a:off x="0" y="0"/>
+          <a:ext cx="0" cy="0"/>
+          <a:chOff x="0" y="0"/>
+          <a:chExt cx="0" cy="0"/>
+        </a:xfrm>
+      </p:grpSpPr>
+      <p:pic>
+        <p:nvPicPr>
+          <p:cNvPr id="5" name="Picture 4"/>
+          <p:cNvPicPr>
+            <a:picLocks noChangeAspect="1"/>
+          </p:cNvPicPr>
+          <p:nvPr/>
+        </p:nvPicPr>
+        <p:blipFill rotWithShape="1">
+          <a:blip r:embed="rId2">
+            <a:extLst>
+              <a:ext uri="{BEBA8EAE-BF5A-486C-A8C5-ECC9F3942E4B}">
+                <a14:imgProps xmlns:a14="http://schemas.microsoft.com/office/drawing/2010/main">
+                  <a14:imgLayer r:embed="rId3">
+                    <a14:imgEffect>
+                      <a14:artisticBlur/>
+                    </a14:imgEffect>
+                  </a14:imgLayer>
+                </a14:imgProps>
+              </a:ext>
+              <a:ext uri="{28A0092B-C50C-407E-A947-70E740481C1C}">
+                <a14:useLocalDpi xmlns:a14="http://schemas.microsoft.com/office/drawing/2010/main" val="0"/>
+              </a:ext>
+            </a:extLst>
+          </a:blip>
+          <a:srcRect b="54787"/>
+          <a:stretch/>
+        </p:blipFill>
+        <p:spPr>
+          <a:xfrm>
+            <a:off x="2662487" y="9221"/>
+            <a:ext cx="6867026" cy="3092325"/>
+          </a:xfrm>
+          <a:prstGeom prst="rect">
+            <a:avLst/>
+          </a:prstGeom>
+        </p:spPr>
+      </p:pic>
+      <p:pic>
+        <p:nvPicPr>
+          <p:cNvPr id="14" name="Picture 13"/>
+          <p:cNvPicPr>
+            <a:picLocks noChangeAspect="1"/>
+          </p:cNvPicPr>
+          <p:nvPr/>
+        </p:nvPicPr>
+        <p:blipFill>
+          <a:blip r:embed="rId4">
+            <a:extLst>
+              <a:ext uri="{28A0092B-C50C-407E-A947-70E740481C1C}">
+                <a14:useLocalDpi xmlns:a14="http://schemas.microsoft.com/office/drawing/2010/main" val="0"/>
+              </a:ext>
+            </a:extLst>
+          </a:blip>
+          <a:stretch>
+            <a:fillRect/>
+          </a:stretch>
+        </p:blipFill>
+        <p:spPr>
+          <a:xfrm>
+            <a:off x="5735999" y="436483"/>
+            <a:ext cx="720000" cy="720000"/>
+          </a:xfrm>
+          <a:prstGeom prst="roundRect">
+            <a:avLst>
+              <a:gd name="adj" fmla="val 8594"/>
+            </a:avLst>
+          </a:prstGeom>
+          <a:solidFill>
+            <a:srgbClr val="FFFFFF">
+              <a:shade val="85000"/>
+            </a:srgbClr>
+          </a:solidFill>
+          <a:ln>
+            <a:noFill/>
+          </a:ln>
+          <a:effectLst>
+            <a:reflection blurRad="12700" stA="38000" endPos="28000" dist="5000" dir="5400000" sy="-100000" algn="bl" rotWithShape="0"/>
+          </a:effectLst>
+        </p:spPr>
+      </p:pic>
+      <p:sp>
+        <p:nvSpPr>
+          <p:cNvPr id="17" name="TextBox 16"/>
+          <p:cNvSpPr txBox="1"/>
+          <p:nvPr/>
+        </p:nvSpPr>
+        <p:spPr>
+          <a:xfrm>
+            <a:off x="3201891" y="1386106"/>
+            <a:ext cx="5788216" cy="338554"/>
+          </a:xfrm>
+          <a:prstGeom prst="rect">
+            <a:avLst/>
+          </a:prstGeom>
+          <a:noFill/>
+        </p:spPr>
+        <p:txBody>
+          <a:bodyPr wrap="square" rtlCol="0">
+            <a:spAutoFit/>
+          </a:bodyPr>
+          <a:lstStyle/>
+          <a:p>
+            <a:pPr algn="ctr"/>
+            <a:r>
+              <a:rPr lang="hu-HU" sz="1600" b="1" cap="small" dirty="0">
+                <a:solidFill>
+                  <a:schemeClr val="bg1">
+                    <a:lumMod val="75000"/>
+                  </a:schemeClr>
+                </a:solidFill>
+                <a:latin typeface="Segoe UI Emoji" panose="020B0502040204020203" pitchFamily="34" charset="0"/>
+                <a:ea typeface="Segoe UI Emoji" panose="020B0502040204020203" pitchFamily="34" charset="0"/>
+              </a:rPr>
+              <a:t>I. SZÉKELYDATA  </a:t>
+            </a:r>
+            <a:r>
+              <a:rPr lang="hu-HU" sz="1600" cap="small" dirty="0">
+                <a:solidFill>
+                  <a:schemeClr val="bg1">
+                    <a:lumMod val="75000"/>
+                  </a:schemeClr>
+                </a:solidFill>
+                <a:latin typeface="Segoe UI Emoji" panose="020B0502040204020203" pitchFamily="34" charset="0"/>
+                <a:ea typeface="Segoe UI Emoji" panose="020B0502040204020203" pitchFamily="34" charset="0"/>
+              </a:rPr>
+              <a:t>adatvizualizációs  pályázat</a:t>
+            </a:r>
+            <a:endParaRPr lang="en-GB" sz="1600" cap="small" dirty="0">
+              <a:solidFill>
+                <a:schemeClr val="bg1">
+                  <a:lumMod val="75000"/>
+                </a:schemeClr>
+              </a:solidFill>
+              <a:latin typeface="Segoe UI Emoji" panose="020B0502040204020203" pitchFamily="34" charset="0"/>
+              <a:ea typeface="Segoe UI Emoji" panose="020B0502040204020203" pitchFamily="34" charset="0"/>
+            </a:endParaRPr>
+          </a:p>
+        </p:txBody>
+      </p:sp>
+      <p:sp>
+        <p:nvSpPr>
+          <p:cNvPr id="4" name="Rectangle 3"/>
+          <p:cNvSpPr/>
+          <p:nvPr/>
+        </p:nvSpPr>
+        <p:spPr>
+          <a:xfrm rot="16200000" flipH="1">
+            <a:off x="6078000" y="-571553"/>
+            <a:ext cx="36000" cy="4997788"/>
+          </a:xfrm>
+          <a:prstGeom prst="rect">
+            <a:avLst/>
+          </a:prstGeom>
+          <a:gradFill flip="none" rotWithShape="1">
+            <a:gsLst>
+              <a:gs pos="27000">
+                <a:srgbClr val="B5B7BB"/>
+              </a:gs>
+              <a:gs pos="76000">
+                <a:srgbClr val="C2C7CE"/>
+              </a:gs>
+              <a:gs pos="0">
+                <a:schemeClr val="bg1">
+                  <a:lumMod val="65000"/>
+                  <a:alpha val="0"/>
+                </a:schemeClr>
+              </a:gs>
+              <a:gs pos="100000">
+                <a:schemeClr val="accent1">
+                  <a:tint val="23500"/>
+                  <a:satMod val="160000"/>
+                  <a:alpha val="0"/>
+                </a:schemeClr>
+              </a:gs>
+            </a:gsLst>
+            <a:lin ang="5400000" scaled="1"/>
+            <a:tileRect/>
+          </a:gradFill>
+          <a:ln>
+            <a:noFill/>
+          </a:ln>
+        </p:spPr>
+        <p:style>
+          <a:lnRef idx="2">
+            <a:schemeClr val="accent1">
+              <a:shade val="50000"/>
+            </a:schemeClr>
+          </a:lnRef>
+          <a:fillRef idx="1">
+            <a:schemeClr val="accent1"/>
+          </a:fillRef>
+          <a:effectRef idx="0">
+            <a:schemeClr val="accent1"/>
+          </a:effectRef>
+          <a:fontRef idx="minor">
+            <a:schemeClr val="lt1"/>
+          </a:fontRef>
+        </p:style>
+        <p:txBody>
+          <a:bodyPr rtlCol="0" anchor="ctr"/>
+          <a:lstStyle/>
+          <a:p>
+            <a:pPr algn="ctr"/>
+            <a:endParaRPr lang="en-GB"/>
+          </a:p>
+        </p:txBody>
+      </p:sp>
+      <p:sp>
+        <p:nvSpPr>
+          <p:cNvPr id="20" name="TextBox 19"/>
+          <p:cNvSpPr txBox="1"/>
+          <p:nvPr/>
+        </p:nvSpPr>
+        <p:spPr>
+          <a:xfrm>
+            <a:off x="4774964" y="2231056"/>
+            <a:ext cx="2642070" cy="584775"/>
+          </a:xfrm>
+          <a:prstGeom prst="rect">
+            <a:avLst/>
+          </a:prstGeom>
+          <a:noFill/>
+        </p:spPr>
+        <p:txBody>
+          <a:bodyPr wrap="none" rtlCol="0">
+            <a:spAutoFit/>
+          </a:bodyPr>
+          <a:lstStyle/>
+          <a:p>
+            <a:pPr algn="ctr"/>
+            <a:r>
+              <a:rPr lang="hu-HU" sz="3200" b="1" cap="small" dirty="0">
+                <a:solidFill>
+                  <a:schemeClr val="bg1">
+                    <a:lumMod val="75000"/>
+                  </a:schemeClr>
+                </a:solidFill>
+                <a:latin typeface="Segoe UI Emoji" panose="020B0502040204020203" pitchFamily="34" charset="0"/>
+                <a:ea typeface="Segoe UI Emoji" panose="020B0502040204020203" pitchFamily="34" charset="0"/>
+              </a:rPr>
+              <a:t>EREDMÉNYEK</a:t>
+            </a:r>
+            <a:endParaRPr lang="en-GB" sz="3200" b="1" cap="small" dirty="0">
+              <a:solidFill>
+                <a:schemeClr val="bg1">
+                  <a:lumMod val="75000"/>
+                </a:schemeClr>
+              </a:solidFill>
+              <a:latin typeface="Segoe UI Emoji" panose="020B0502040204020203" pitchFamily="34" charset="0"/>
+              <a:ea typeface="Segoe UI Emoji" panose="020B0502040204020203" pitchFamily="34" charset="0"/>
+            </a:endParaRPr>
+          </a:p>
+        </p:txBody>
+      </p:sp>
+    </p:spTree>
+    <p:extLst>
+      <p:ext uri="{BB962C8B-B14F-4D97-AF65-F5344CB8AC3E}">
+        <p14:creationId xmlns:p14="http://schemas.microsoft.com/office/powerpoint/2010/main" val="2031800997"/>
+      </p:ext>
+    </p:extLst>
+  </p:cSld>
+  <p:clrMapOvr>
+    <a:masterClrMapping/>
+  </p:clrMapOvr>
+</p:sld>
+</file>
+
+<file path=ppt/slides/slide3.xml><?xml version="1.0" encoding="utf-8"?>
 <p:sld xmlns:a="http://schemas.openxmlformats.org/drawingml/2006/main" xmlns:r="http://schemas.openxmlformats.org/officeDocument/2006/relationships" xmlns:p="http://schemas.openxmlformats.org/presentationml/2006/main">
   <p:cSld>
     <p:spTree>
@@ -3619,7 +3874,7 @@
           <a:p>
             <a:pPr algn="ctr"/>
             <a:r>
-              <a:rPr lang="hu-HU" sz="1600" b="1" cap="small" dirty="0" smtClean="0">
+              <a:rPr lang="hu-HU" sz="1600" b="1" cap="small" dirty="0">
                 <a:solidFill>
                   <a:schemeClr val="bg1">
                     <a:lumMod val="75000"/>
@@ -3630,20 +3885,8 @@
               </a:rPr>
               <a:t>I. SZÉKELYDATA </a:t>
             </a:r>
-            <a:r>
-              <a:rPr lang="hu-HU" sz="1600" cap="small" dirty="0" smtClean="0">
-                <a:solidFill>
-                  <a:schemeClr val="bg1">
-                    <a:lumMod val="75000"/>
-                  </a:schemeClr>
-                </a:solidFill>
-                <a:latin typeface="Segoe UI Emoji" panose="020B0502040204020203" pitchFamily="34" charset="0"/>
-                <a:ea typeface="Segoe UI Emoji" panose="020B0502040204020203" pitchFamily="34" charset="0"/>
-              </a:rPr>
-              <a:t/>
-            </a:r>
             <a:br>
-              <a:rPr lang="hu-HU" sz="1600" cap="small" dirty="0" smtClean="0">
+              <a:rPr lang="hu-HU" sz="1600" cap="small" dirty="0">
                 <a:solidFill>
                   <a:schemeClr val="bg1">
                     <a:lumMod val="75000"/>
@@ -3654,7 +3897,7 @@
               </a:rPr>
             </a:br>
             <a:r>
-              <a:rPr lang="hu-HU" sz="1600" cap="small" dirty="0" smtClean="0">
+              <a:rPr lang="hu-HU" sz="1600" cap="small" dirty="0">
                 <a:solidFill>
                   <a:schemeClr val="bg1">
                     <a:lumMod val="75000"/>
@@ -3666,7 +3909,7 @@
               <a:t>adatvizualizációs </a:t>
             </a:r>
             <a:br>
-              <a:rPr lang="hu-HU" sz="1600" cap="small" dirty="0" smtClean="0">
+              <a:rPr lang="hu-HU" sz="1600" cap="small" dirty="0">
                 <a:solidFill>
                   <a:schemeClr val="bg1">
                     <a:lumMod val="75000"/>
@@ -3677,7 +3920,7 @@
               </a:rPr>
             </a:br>
             <a:r>
-              <a:rPr lang="hu-HU" sz="1600" cap="small" dirty="0" smtClean="0">
+              <a:rPr lang="hu-HU" sz="1600" cap="small" dirty="0">
                 <a:solidFill>
                   <a:schemeClr val="bg1">
                     <a:lumMod val="75000"/>
@@ -3724,7 +3967,7 @@
           <a:p>
             <a:pPr algn="ctr"/>
             <a:r>
-              <a:rPr lang="hu-HU" sz="1600" b="1" cap="small" dirty="0" smtClean="0">
+              <a:rPr lang="hu-HU" sz="1600" b="1" cap="small" dirty="0">
                 <a:solidFill>
                   <a:schemeClr val="bg1">
                     <a:lumMod val="75000"/>
@@ -3736,7 +3979,7 @@
               <a:t>2</a:t>
             </a:r>
             <a:r>
-              <a:rPr lang="ro-RO" sz="1600" b="1" cap="small" dirty="0" smtClean="0">
+              <a:rPr lang="ro-RO" sz="1600" b="1" cap="small" dirty="0">
                 <a:solidFill>
                   <a:schemeClr val="bg1">
                     <a:lumMod val="75000"/>
@@ -3748,7 +3991,7 @@
               <a:t>0</a:t>
             </a:r>
             <a:r>
-              <a:rPr lang="hu-HU" sz="1600" b="1" cap="small" dirty="0" smtClean="0">
+              <a:rPr lang="hu-HU" sz="1600" b="1" cap="small" dirty="0">
                 <a:solidFill>
                   <a:schemeClr val="bg1">
                     <a:lumMod val="75000"/>
@@ -3763,7 +4006,7 @@
           <a:p>
             <a:pPr algn="ctr"/>
             <a:r>
-              <a:rPr lang="en-US" sz="1600" cap="small" dirty="0" smtClean="0">
+              <a:rPr lang="en-US" sz="1600" cap="small" dirty="0">
                 <a:solidFill>
                   <a:schemeClr val="bg1">
                     <a:lumMod val="75000"/>
@@ -3775,7 +4018,7 @@
               <a:t> </a:t>
             </a:r>
             <a:r>
-              <a:rPr lang="hu-HU" sz="1600" cap="small" dirty="0" smtClean="0">
+              <a:rPr lang="hu-HU" sz="1600" cap="small" dirty="0">
                 <a:solidFill>
                   <a:schemeClr val="bg1">
                     <a:lumMod val="75000"/>
@@ -3786,7 +4029,7 @@
               </a:rPr>
               <a:t>Összdíjazás</a:t>
             </a:r>
-            <a:endParaRPr lang="en-US" sz="1600" cap="small" dirty="0" smtClean="0">
+            <a:endParaRPr lang="en-US" sz="1600" cap="small" dirty="0">
               <a:solidFill>
                 <a:schemeClr val="bg1">
                   <a:lumMod val="75000"/>
@@ -3799,7 +4042,7 @@
           <a:p>
             <a:pPr algn="ctr"/>
             <a:r>
-              <a:rPr lang="hu-HU" sz="1600" cap="small" dirty="0" smtClean="0">
+              <a:rPr lang="hu-HU" sz="1600" cap="small" dirty="0">
                 <a:solidFill>
                   <a:schemeClr val="bg1">
                     <a:lumMod val="75000"/>
@@ -3808,19 +4051,7 @@
                 <a:latin typeface="Segoe UI Emoji" panose="020B0502040204020203" pitchFamily="34" charset="0"/>
                 <a:ea typeface="Segoe UI Emoji" panose="020B0502040204020203" pitchFamily="34" charset="0"/>
               </a:rPr>
-              <a:t>7ooo </a:t>
-            </a:r>
-            <a:r>
-              <a:rPr lang="hu-HU" sz="1600" cap="small" dirty="0">
-                <a:solidFill>
-                  <a:schemeClr val="bg1">
-                    <a:lumMod val="75000"/>
-                  </a:schemeClr>
-                </a:solidFill>
-                <a:latin typeface="Segoe UI Emoji" panose="020B0502040204020203" pitchFamily="34" charset="0"/>
-                <a:ea typeface="Segoe UI Emoji" panose="020B0502040204020203" pitchFamily="34" charset="0"/>
-              </a:rPr>
-              <a:t>RON </a:t>
+              <a:t>7ooo RON </a:t>
             </a:r>
             <a:r>
               <a:rPr lang="en-US" sz="1600" cap="small" dirty="0">
@@ -3950,7 +4181,7 @@
           <a:p>
             <a:pPr algn="ctr"/>
             <a:r>
-              <a:rPr lang="hu-HU" sz="1600" cap="small" dirty="0" smtClean="0">
+              <a:rPr lang="hu-HU" sz="1600" cap="small" dirty="0">
                 <a:solidFill>
                   <a:schemeClr val="bg1">
                     <a:lumMod val="75000"/>
@@ -4054,7 +4285,7 @@
 </p:sld>
 </file>
 
-<file path=ppt/slides/slide3.xml><?xml version="1.0" encoding="utf-8"?>
+<file path=ppt/slides/slide4.xml><?xml version="1.0" encoding="utf-8"?>
 <p:sld xmlns:a="http://schemas.openxmlformats.org/drawingml/2006/main" xmlns:r="http://schemas.openxmlformats.org/officeDocument/2006/relationships" xmlns:p="http://schemas.openxmlformats.org/presentationml/2006/main">
   <p:cSld>
     <p:spTree>
@@ -4222,7 +4453,7 @@
           <a:p>
             <a:pPr algn="ctr"/>
             <a:r>
-              <a:rPr lang="hu-HU" sz="1600" b="1" cap="small" dirty="0" smtClean="0">
+              <a:rPr lang="hu-HU" sz="1600" b="1" cap="small" dirty="0">
                 <a:solidFill>
                   <a:schemeClr val="bg1">
                     <a:lumMod val="75000"/>
@@ -4231,22 +4462,10 @@
                 <a:latin typeface="Segoe UI Emoji" panose="020B0502040204020203" pitchFamily="34" charset="0"/>
                 <a:ea typeface="Segoe UI Emoji" panose="020B0502040204020203" pitchFamily="34" charset="0"/>
               </a:rPr>
-              <a:t>I. </a:t>
-            </a:r>
-            <a:r>
-              <a:rPr lang="hu-HU" sz="1600" b="1" cap="small" dirty="0" smtClean="0">
-                <a:solidFill>
-                  <a:schemeClr val="bg1">
-                    <a:lumMod val="75000"/>
-                  </a:schemeClr>
-                </a:solidFill>
-                <a:latin typeface="Segoe UI Emoji" panose="020B0502040204020203" pitchFamily="34" charset="0"/>
-                <a:ea typeface="Segoe UI Emoji" panose="020B0502040204020203" pitchFamily="34" charset="0"/>
-              </a:rPr>
-              <a:t>SZÉKELYDATA </a:t>
-            </a:r>
-            <a:r>
-              <a:rPr lang="hu-HU" sz="1600" cap="small" dirty="0" smtClean="0">
+              <a:t>I. SZÉKELYDATA </a:t>
+            </a:r>
+            <a:r>
+              <a:rPr lang="hu-HU" sz="1600" cap="small" dirty="0">
                 <a:solidFill>
                   <a:schemeClr val="bg1">
                     <a:lumMod val="75000"/>
@@ -4379,7 +4598,7 @@
 </p:sld>
 </file>
 
-<file path=ppt/slides/slide4.xml><?xml version="1.0" encoding="utf-8"?>
+<file path=ppt/slides/slide5.xml><?xml version="1.0" encoding="utf-8"?>
 <p:sld xmlns:a="http://schemas.openxmlformats.org/drawingml/2006/main" xmlns:r="http://schemas.openxmlformats.org/officeDocument/2006/relationships" xmlns:p="http://schemas.openxmlformats.org/presentationml/2006/main">
   <p:cSld>
     <p:spTree>
@@ -4547,7 +4766,7 @@
           <a:p>
             <a:pPr algn="ctr"/>
             <a:r>
-              <a:rPr lang="hu-HU" sz="1600" b="1" cap="small" dirty="0" smtClean="0">
+              <a:rPr lang="hu-HU" sz="1600" b="1" cap="small" dirty="0">
                 <a:solidFill>
                   <a:schemeClr val="bg1">
                     <a:lumMod val="75000"/>
@@ -4558,20 +4777,8 @@
               </a:rPr>
               <a:t>I. SZÉKELYDATA </a:t>
             </a:r>
-            <a:r>
-              <a:rPr lang="hu-HU" sz="1600" cap="small" dirty="0" smtClean="0">
-                <a:solidFill>
-                  <a:schemeClr val="bg1">
-                    <a:lumMod val="75000"/>
-                  </a:schemeClr>
-                </a:solidFill>
-                <a:latin typeface="Segoe UI Emoji" panose="020B0502040204020203" pitchFamily="34" charset="0"/>
-                <a:ea typeface="Segoe UI Emoji" panose="020B0502040204020203" pitchFamily="34" charset="0"/>
-              </a:rPr>
-              <a:t/>
-            </a:r>
             <a:br>
-              <a:rPr lang="hu-HU" sz="1600" cap="small" dirty="0" smtClean="0">
+              <a:rPr lang="hu-HU" sz="1600" cap="small" dirty="0">
                 <a:solidFill>
                   <a:schemeClr val="bg1">
                     <a:lumMod val="75000"/>
@@ -4582,7 +4789,7 @@
               </a:rPr>
             </a:br>
             <a:r>
-              <a:rPr lang="en-US" sz="1600" cap="small" dirty="0" smtClean="0">
+              <a:rPr lang="en-US" sz="1600" cap="small" dirty="0">
                 <a:solidFill>
                   <a:schemeClr val="bg1">
                     <a:lumMod val="75000"/>
@@ -4591,46 +4798,10 @@
                 <a:latin typeface="Segoe UI Emoji" panose="020B0502040204020203" pitchFamily="34" charset="0"/>
                 <a:ea typeface="Segoe UI Emoji" panose="020B0502040204020203" pitchFamily="34" charset="0"/>
               </a:rPr>
-              <a:t>data </a:t>
-            </a:r>
-            <a:r>
-              <a:rPr lang="en-US" sz="1600" cap="small" dirty="0">
-                <a:solidFill>
-                  <a:schemeClr val="bg1">
-                    <a:lumMod val="75000"/>
-                  </a:schemeClr>
-                </a:solidFill>
-                <a:latin typeface="Segoe UI Emoji" panose="020B0502040204020203" pitchFamily="34" charset="0"/>
-                <a:ea typeface="Segoe UI Emoji" panose="020B0502040204020203" pitchFamily="34" charset="0"/>
-              </a:rPr>
-              <a:t>v</a:t>
-            </a:r>
-            <a:r>
-              <a:rPr lang="en-US" sz="1600" cap="small" dirty="0" smtClean="0">
-                <a:solidFill>
-                  <a:schemeClr val="bg1">
-                    <a:lumMod val="75000"/>
-                  </a:schemeClr>
-                </a:solidFill>
-                <a:latin typeface="Segoe UI Emoji" panose="020B0502040204020203" pitchFamily="34" charset="0"/>
-                <a:ea typeface="Segoe UI Emoji" panose="020B0502040204020203" pitchFamily="34" charset="0"/>
-              </a:rPr>
-              <a:t>isualization</a:t>
-            </a:r>
-            <a:r>
-              <a:rPr lang="hu-HU" sz="1600" cap="small" dirty="0" smtClean="0">
-                <a:solidFill>
-                  <a:schemeClr val="bg1">
-                    <a:lumMod val="75000"/>
-                  </a:schemeClr>
-                </a:solidFill>
-                <a:latin typeface="Segoe UI Emoji" panose="020B0502040204020203" pitchFamily="34" charset="0"/>
-                <a:ea typeface="Segoe UI Emoji" panose="020B0502040204020203" pitchFamily="34" charset="0"/>
-              </a:rPr>
-              <a:t/>
+              <a:t>data visualization</a:t>
             </a:r>
             <a:br>
-              <a:rPr lang="hu-HU" sz="1600" cap="small" dirty="0" smtClean="0">
+              <a:rPr lang="hu-HU" sz="1600" cap="small" dirty="0">
                 <a:solidFill>
                   <a:schemeClr val="bg1">
                     <a:lumMod val="75000"/>
@@ -4650,19 +4821,7 @@
                 <a:latin typeface="Segoe UI Emoji" panose="020B0502040204020203" pitchFamily="34" charset="0"/>
                 <a:ea typeface="Segoe UI Emoji" panose="020B0502040204020203" pitchFamily="34" charset="0"/>
               </a:rPr>
-              <a:t>c</a:t>
-            </a:r>
-            <a:r>
-              <a:rPr lang="en-US" sz="1600" cap="small" dirty="0" smtClean="0">
-                <a:solidFill>
-                  <a:schemeClr val="bg1">
-                    <a:lumMod val="75000"/>
-                  </a:schemeClr>
-                </a:solidFill>
-                <a:latin typeface="Segoe UI Emoji" panose="020B0502040204020203" pitchFamily="34" charset="0"/>
-                <a:ea typeface="Segoe UI Emoji" panose="020B0502040204020203" pitchFamily="34" charset="0"/>
-              </a:rPr>
-              <a:t>ompetition</a:t>
+              <a:t>competition</a:t>
             </a:r>
             <a:endParaRPr lang="en-GB" sz="1600" cap="small" dirty="0">
               <a:solidFill>
@@ -4700,7 +4859,7 @@
           <a:p>
             <a:pPr algn="ctr"/>
             <a:r>
-              <a:rPr lang="hu-HU" sz="1600" b="1" cap="small" dirty="0" smtClean="0">
+              <a:rPr lang="hu-HU" sz="1600" b="1" cap="small" dirty="0">
                 <a:solidFill>
                   <a:schemeClr val="bg1">
                     <a:lumMod val="75000"/>
@@ -4712,7 +4871,7 @@
               <a:t>1 </a:t>
             </a:r>
             <a:r>
-              <a:rPr lang="en-US" sz="1600" b="1" cap="small" dirty="0" smtClean="0">
+              <a:rPr lang="en-US" sz="1600" b="1" cap="small" dirty="0">
                 <a:solidFill>
                   <a:schemeClr val="bg1">
                     <a:lumMod val="75000"/>
@@ -4724,7 +4883,7 @@
               <a:t>A</a:t>
             </a:r>
             <a:r>
-              <a:rPr lang="hu-HU" sz="1600" b="1" cap="small" dirty="0" smtClean="0">
+              <a:rPr lang="hu-HU" sz="1600" b="1" cap="small" dirty="0">
                 <a:solidFill>
                   <a:schemeClr val="bg1">
                     <a:lumMod val="75000"/>
@@ -4736,7 +4895,7 @@
               <a:t>pril </a:t>
             </a:r>
             <a:r>
-              <a:rPr lang="en-US" sz="1600" b="1" cap="small" dirty="0" smtClean="0">
+              <a:rPr lang="en-US" sz="1600" b="1" cap="small" dirty="0">
                 <a:solidFill>
                   <a:schemeClr val="bg1">
                     <a:lumMod val="75000"/>
@@ -4747,7 +4906,7 @@
               </a:rPr>
               <a:t>2018</a:t>
             </a:r>
-            <a:endParaRPr lang="hu-HU" sz="1600" b="1" cap="small" dirty="0" smtClean="0">
+            <a:endParaRPr lang="hu-HU" sz="1600" b="1" cap="small" dirty="0">
               <a:solidFill>
                 <a:schemeClr val="bg1">
                   <a:lumMod val="75000"/>
@@ -4769,10 +4928,13 @@
                 <a:latin typeface="Segoe UI Emoji" panose="020B0502040204020203" pitchFamily="34" charset="0"/>
                 <a:ea typeface="Segoe UI Emoji" panose="020B0502040204020203" pitchFamily="34" charset="0"/>
               </a:rPr>
-              <a:t>p</a:t>
-            </a:r>
-            <a:r>
-              <a:rPr lang="en-US" sz="1600" cap="small" dirty="0" smtClean="0">
+              <a:t>prize money</a:t>
+            </a:r>
+          </a:p>
+          <a:p>
+            <a:pPr algn="ctr"/>
+            <a:r>
+              <a:rPr lang="hu-HU" sz="1600" cap="small" dirty="0">
                 <a:solidFill>
                   <a:schemeClr val="bg1">
                     <a:lumMod val="75000"/>
@@ -4781,34 +4943,7 @@
                 <a:latin typeface="Segoe UI Emoji" panose="020B0502040204020203" pitchFamily="34" charset="0"/>
                 <a:ea typeface="Segoe UI Emoji" panose="020B0502040204020203" pitchFamily="34" charset="0"/>
               </a:rPr>
-              <a:t>rize money</a:t>
-            </a:r>
-          </a:p>
-          <a:p>
-            <a:pPr algn="ctr"/>
-            <a:r>
-              <a:rPr lang="hu-HU" sz="1600" cap="small" dirty="0" smtClean="0">
-                <a:solidFill>
-                  <a:schemeClr val="bg1">
-                    <a:lumMod val="75000"/>
-                  </a:schemeClr>
-                </a:solidFill>
-                <a:latin typeface="Segoe UI Emoji" panose="020B0502040204020203" pitchFamily="34" charset="0"/>
-                <a:ea typeface="Segoe UI Emoji" panose="020B0502040204020203" pitchFamily="34" charset="0"/>
-              </a:rPr>
-              <a:t>7ooo </a:t>
-            </a:r>
-            <a:r>
-              <a:rPr lang="hu-HU" sz="1600" cap="small" dirty="0">
-                <a:solidFill>
-                  <a:schemeClr val="bg1">
-                    <a:lumMod val="75000"/>
-                  </a:schemeClr>
-                </a:solidFill>
-                <a:latin typeface="Segoe UI Emoji" panose="020B0502040204020203" pitchFamily="34" charset="0"/>
-                <a:ea typeface="Segoe UI Emoji" panose="020B0502040204020203" pitchFamily="34" charset="0"/>
-              </a:rPr>
-              <a:t>RON </a:t>
+              <a:t>7ooo RON </a:t>
             </a:r>
             <a:r>
               <a:rPr lang="en-US" sz="1600" cap="small" dirty="0">
@@ -4938,7 +5073,7 @@
           <a:p>
             <a:pPr algn="ctr"/>
             <a:r>
-              <a:rPr lang="hu-HU" sz="1600" cap="small" dirty="0" smtClean="0">
+              <a:rPr lang="hu-HU" sz="1600" cap="small" dirty="0">
                 <a:solidFill>
                   <a:schemeClr val="bg1">
                     <a:lumMod val="75000"/>
